--- a/figures/figures.pptx
+++ b/figures/figures.pptx
@@ -104,6 +104,11 @@
       </a:defRPr>
     </a:lvl9pPr>
   </p:defaultTextStyle>
+  <p:extLst>
+    <p:ext uri="{EFAFB233-063F-42B5-8137-9DF3F51BA10A}">
+      <p15:sldGuideLst xmlns:p15="http://schemas.microsoft.com/office/powerpoint/2012/main"/>
+    </p:ext>
+  </p:extLst>
 </p:presentation>
 </file>
 
@@ -238,7 +243,7 @@
           <a:p>
             <a:fld id="{16643D48-A7CC-4757-856A-8D7785C5AC9F}" type="datetimeFigureOut">
               <a:rPr lang="en-US" smtClean="0"/>
-              <a:t>1/8/2024</a:t>
+              <a:t>1/9/2024</a:t>
             </a:fld>
             <a:endParaRPr lang="en-US"/>
           </a:p>
@@ -408,7 +413,7 @@
           <a:p>
             <a:fld id="{16643D48-A7CC-4757-856A-8D7785C5AC9F}" type="datetimeFigureOut">
               <a:rPr lang="en-US" smtClean="0"/>
-              <a:t>1/8/2024</a:t>
+              <a:t>1/9/2024</a:t>
             </a:fld>
             <a:endParaRPr lang="en-US"/>
           </a:p>
@@ -588,7 +593,7 @@
           <a:p>
             <a:fld id="{16643D48-A7CC-4757-856A-8D7785C5AC9F}" type="datetimeFigureOut">
               <a:rPr lang="en-US" smtClean="0"/>
-              <a:t>1/8/2024</a:t>
+              <a:t>1/9/2024</a:t>
             </a:fld>
             <a:endParaRPr lang="en-US"/>
           </a:p>
@@ -758,7 +763,7 @@
           <a:p>
             <a:fld id="{16643D48-A7CC-4757-856A-8D7785C5AC9F}" type="datetimeFigureOut">
               <a:rPr lang="en-US" smtClean="0"/>
-              <a:t>1/8/2024</a:t>
+              <a:t>1/9/2024</a:t>
             </a:fld>
             <a:endParaRPr lang="en-US"/>
           </a:p>
@@ -1002,7 +1007,7 @@
           <a:p>
             <a:fld id="{16643D48-A7CC-4757-856A-8D7785C5AC9F}" type="datetimeFigureOut">
               <a:rPr lang="en-US" smtClean="0"/>
-              <a:t>1/8/2024</a:t>
+              <a:t>1/9/2024</a:t>
             </a:fld>
             <a:endParaRPr lang="en-US"/>
           </a:p>
@@ -1234,7 +1239,7 @@
           <a:p>
             <a:fld id="{16643D48-A7CC-4757-856A-8D7785C5AC9F}" type="datetimeFigureOut">
               <a:rPr lang="en-US" smtClean="0"/>
-              <a:t>1/8/2024</a:t>
+              <a:t>1/9/2024</a:t>
             </a:fld>
             <a:endParaRPr lang="en-US"/>
           </a:p>
@@ -1601,7 +1606,7 @@
           <a:p>
             <a:fld id="{16643D48-A7CC-4757-856A-8D7785C5AC9F}" type="datetimeFigureOut">
               <a:rPr lang="en-US" smtClean="0"/>
-              <a:t>1/8/2024</a:t>
+              <a:t>1/9/2024</a:t>
             </a:fld>
             <a:endParaRPr lang="en-US"/>
           </a:p>
@@ -1719,7 +1724,7 @@
           <a:p>
             <a:fld id="{16643D48-A7CC-4757-856A-8D7785C5AC9F}" type="datetimeFigureOut">
               <a:rPr lang="en-US" smtClean="0"/>
-              <a:t>1/8/2024</a:t>
+              <a:t>1/9/2024</a:t>
             </a:fld>
             <a:endParaRPr lang="en-US"/>
           </a:p>
@@ -1814,7 +1819,7 @@
           <a:p>
             <a:fld id="{16643D48-A7CC-4757-856A-8D7785C5AC9F}" type="datetimeFigureOut">
               <a:rPr lang="en-US" smtClean="0"/>
-              <a:t>1/8/2024</a:t>
+              <a:t>1/9/2024</a:t>
             </a:fld>
             <a:endParaRPr lang="en-US"/>
           </a:p>
@@ -2091,7 +2096,7 @@
           <a:p>
             <a:fld id="{16643D48-A7CC-4757-856A-8D7785C5AC9F}" type="datetimeFigureOut">
               <a:rPr lang="en-US" smtClean="0"/>
-              <a:t>1/8/2024</a:t>
+              <a:t>1/9/2024</a:t>
             </a:fld>
             <a:endParaRPr lang="en-US"/>
           </a:p>
@@ -2348,7 +2353,7 @@
           <a:p>
             <a:fld id="{16643D48-A7CC-4757-856A-8D7785C5AC9F}" type="datetimeFigureOut">
               <a:rPr lang="en-US" smtClean="0"/>
-              <a:t>1/8/2024</a:t>
+              <a:t>1/9/2024</a:t>
             </a:fld>
             <a:endParaRPr lang="en-US"/>
           </a:p>
@@ -2561,7 +2566,7 @@
           <a:p>
             <a:fld id="{16643D48-A7CC-4757-856A-8D7785C5AC9F}" type="datetimeFigureOut">
               <a:rPr lang="en-US" smtClean="0"/>
-              <a:t>1/8/2024</a:t>
+              <a:t>1/9/2024</a:t>
             </a:fld>
             <a:endParaRPr lang="en-US"/>
           </a:p>
@@ -4475,7 +4480,7 @@
           <a:p>
             <a:r>
               <a:rPr lang="en-US" dirty="0"/>
-              <a:t>Pembrolizumab		    (Predicted) </a:t>
+              <a:t>Pembrolizumab</a:t>
             </a:r>
           </a:p>
         </p:txBody>
@@ -4510,7 +4515,403 @@
           <a:p>
             <a:r>
               <a:rPr lang="en-US" dirty="0"/>
-              <a:t>Pembrolizumab            (PDB: 5JXE)</a:t>
+              <a:t>Pembrolizumab</a:t>
+            </a:r>
+          </a:p>
+        </p:txBody>
+      </p:sp>
+      <p:sp>
+        <p:nvSpPr>
+          <p:cNvPr id="2" name="TextBox 1">
+            <a:extLst>
+              <a:ext uri="{FF2B5EF4-FFF2-40B4-BE49-F238E27FC236}">
+                <a16:creationId xmlns:a16="http://schemas.microsoft.com/office/drawing/2014/main" id="{E8E71E17-14C8-5706-5B59-B2CE44740641}"/>
+              </a:ext>
+            </a:extLst>
+          </p:cNvPr>
+          <p:cNvSpPr txBox="1"/>
+          <p:nvPr/>
+        </p:nvSpPr>
+        <p:spPr>
+          <a:xfrm>
+            <a:off x="1711105" y="2243425"/>
+            <a:ext cx="868278" cy="276999"/>
+          </a:xfrm>
+          <a:prstGeom prst="rect">
+            <a:avLst/>
+          </a:prstGeom>
+          <a:noFill/>
+        </p:spPr>
+        <p:txBody>
+          <a:bodyPr wrap="square" rtlCol="0">
+            <a:spAutoFit/>
+          </a:bodyPr>
+          <a:lstStyle/>
+          <a:p>
+            <a:pPr algn="r"/>
+            <a:r>
+              <a:rPr lang="en-US" sz="1200" i="1" dirty="0"/>
+              <a:t>Predicted</a:t>
+            </a:r>
+          </a:p>
+        </p:txBody>
+      </p:sp>
+      <p:sp>
+        <p:nvSpPr>
+          <p:cNvPr id="3" name="TextBox 2">
+            <a:extLst>
+              <a:ext uri="{FF2B5EF4-FFF2-40B4-BE49-F238E27FC236}">
+                <a16:creationId xmlns:a16="http://schemas.microsoft.com/office/drawing/2014/main" id="{F83C4366-4504-A8B2-0FBC-EC00C703F9CC}"/>
+              </a:ext>
+            </a:extLst>
+          </p:cNvPr>
+          <p:cNvSpPr txBox="1"/>
+          <p:nvPr/>
+        </p:nvSpPr>
+        <p:spPr>
+          <a:xfrm>
+            <a:off x="4323884" y="2243425"/>
+            <a:ext cx="868278" cy="276999"/>
+          </a:xfrm>
+          <a:prstGeom prst="rect">
+            <a:avLst/>
+          </a:prstGeom>
+          <a:noFill/>
+        </p:spPr>
+        <p:txBody>
+          <a:bodyPr wrap="square" rtlCol="0">
+            <a:spAutoFit/>
+          </a:bodyPr>
+          <a:lstStyle/>
+          <a:p>
+            <a:pPr algn="r"/>
+            <a:r>
+              <a:rPr lang="en-US" sz="1200" i="1" dirty="0"/>
+              <a:t>Predicted</a:t>
+            </a:r>
+          </a:p>
+        </p:txBody>
+      </p:sp>
+      <p:sp>
+        <p:nvSpPr>
+          <p:cNvPr id="4" name="TextBox 3">
+            <a:extLst>
+              <a:ext uri="{FF2B5EF4-FFF2-40B4-BE49-F238E27FC236}">
+                <a16:creationId xmlns:a16="http://schemas.microsoft.com/office/drawing/2014/main" id="{6F88E88E-9221-6DE5-B6A5-43AD96BEFF88}"/>
+              </a:ext>
+            </a:extLst>
+          </p:cNvPr>
+          <p:cNvSpPr txBox="1"/>
+          <p:nvPr/>
+        </p:nvSpPr>
+        <p:spPr>
+          <a:xfrm>
+            <a:off x="6935806" y="2243425"/>
+            <a:ext cx="836594" cy="276999"/>
+          </a:xfrm>
+          <a:prstGeom prst="rect">
+            <a:avLst/>
+          </a:prstGeom>
+          <a:noFill/>
+        </p:spPr>
+        <p:txBody>
+          <a:bodyPr wrap="square" rtlCol="0">
+            <a:spAutoFit/>
+          </a:bodyPr>
+          <a:lstStyle/>
+          <a:p>
+            <a:pPr algn="r"/>
+            <a:r>
+              <a:rPr lang="en-US" sz="1200" i="1" dirty="0"/>
+              <a:t>Predicted</a:t>
+            </a:r>
+          </a:p>
+        </p:txBody>
+      </p:sp>
+      <p:sp>
+        <p:nvSpPr>
+          <p:cNvPr id="5" name="TextBox 4">
+            <a:extLst>
+              <a:ext uri="{FF2B5EF4-FFF2-40B4-BE49-F238E27FC236}">
+                <a16:creationId xmlns:a16="http://schemas.microsoft.com/office/drawing/2014/main" id="{70317560-020B-F112-1FCE-DF6EC2623B9A}"/>
+              </a:ext>
+            </a:extLst>
+          </p:cNvPr>
+          <p:cNvSpPr txBox="1"/>
+          <p:nvPr/>
+        </p:nvSpPr>
+        <p:spPr>
+          <a:xfrm>
+            <a:off x="1711105" y="4751088"/>
+            <a:ext cx="868278" cy="276999"/>
+          </a:xfrm>
+          <a:prstGeom prst="rect">
+            <a:avLst/>
+          </a:prstGeom>
+          <a:noFill/>
+        </p:spPr>
+        <p:txBody>
+          <a:bodyPr wrap="square" rtlCol="0">
+            <a:spAutoFit/>
+          </a:bodyPr>
+          <a:lstStyle/>
+          <a:p>
+            <a:pPr algn="r"/>
+            <a:r>
+              <a:rPr lang="en-US" sz="1200" i="1" dirty="0"/>
+              <a:t>Predicted</a:t>
+            </a:r>
+          </a:p>
+        </p:txBody>
+      </p:sp>
+      <p:sp>
+        <p:nvSpPr>
+          <p:cNvPr id="7" name="TextBox 6">
+            <a:extLst>
+              <a:ext uri="{FF2B5EF4-FFF2-40B4-BE49-F238E27FC236}">
+                <a16:creationId xmlns:a16="http://schemas.microsoft.com/office/drawing/2014/main" id="{8746C057-7729-2FAB-6430-4396C77D47DF}"/>
+              </a:ext>
+            </a:extLst>
+          </p:cNvPr>
+          <p:cNvSpPr txBox="1"/>
+          <p:nvPr/>
+        </p:nvSpPr>
+        <p:spPr>
+          <a:xfrm>
+            <a:off x="4323884" y="4751088"/>
+            <a:ext cx="868278" cy="276999"/>
+          </a:xfrm>
+          <a:prstGeom prst="rect">
+            <a:avLst/>
+          </a:prstGeom>
+          <a:noFill/>
+        </p:spPr>
+        <p:txBody>
+          <a:bodyPr wrap="square" rtlCol="0">
+            <a:spAutoFit/>
+          </a:bodyPr>
+          <a:lstStyle/>
+          <a:p>
+            <a:pPr algn="r"/>
+            <a:r>
+              <a:rPr lang="en-US" sz="1200" i="1" dirty="0"/>
+              <a:t>Predicted</a:t>
+            </a:r>
+          </a:p>
+        </p:txBody>
+      </p:sp>
+      <p:sp>
+        <p:nvSpPr>
+          <p:cNvPr id="9" name="TextBox 8">
+            <a:extLst>
+              <a:ext uri="{FF2B5EF4-FFF2-40B4-BE49-F238E27FC236}">
+                <a16:creationId xmlns:a16="http://schemas.microsoft.com/office/drawing/2014/main" id="{22D6FCC4-C5C9-3CEE-0A90-60A621E62474}"/>
+              </a:ext>
+            </a:extLst>
+          </p:cNvPr>
+          <p:cNvSpPr txBox="1"/>
+          <p:nvPr/>
+        </p:nvSpPr>
+        <p:spPr>
+          <a:xfrm>
+            <a:off x="6935806" y="4751088"/>
+            <a:ext cx="836594" cy="276999"/>
+          </a:xfrm>
+          <a:prstGeom prst="rect">
+            <a:avLst/>
+          </a:prstGeom>
+          <a:noFill/>
+        </p:spPr>
+        <p:txBody>
+          <a:bodyPr wrap="square" rtlCol="0">
+            <a:spAutoFit/>
+          </a:bodyPr>
+          <a:lstStyle/>
+          <a:p>
+            <a:pPr algn="r"/>
+            <a:r>
+              <a:rPr lang="en-US" sz="1200" i="1" dirty="0"/>
+              <a:t>Predicted</a:t>
+            </a:r>
+          </a:p>
+        </p:txBody>
+      </p:sp>
+      <p:sp>
+        <p:nvSpPr>
+          <p:cNvPr id="11" name="TextBox 10">
+            <a:extLst>
+              <a:ext uri="{FF2B5EF4-FFF2-40B4-BE49-F238E27FC236}">
+                <a16:creationId xmlns:a16="http://schemas.microsoft.com/office/drawing/2014/main" id="{7C237B98-026E-5AEE-F2AA-28631B06CA9A}"/>
+              </a:ext>
+            </a:extLst>
+          </p:cNvPr>
+          <p:cNvSpPr txBox="1"/>
+          <p:nvPr/>
+        </p:nvSpPr>
+        <p:spPr>
+          <a:xfrm>
+            <a:off x="2991039" y="9769109"/>
+            <a:ext cx="868278" cy="276999"/>
+          </a:xfrm>
+          <a:prstGeom prst="rect">
+            <a:avLst/>
+          </a:prstGeom>
+          <a:noFill/>
+        </p:spPr>
+        <p:txBody>
+          <a:bodyPr wrap="square" rtlCol="0">
+            <a:spAutoFit/>
+          </a:bodyPr>
+          <a:lstStyle/>
+          <a:p>
+            <a:pPr algn="r"/>
+            <a:r>
+              <a:rPr lang="en-US" sz="1200" i="1" dirty="0"/>
+              <a:t>Predicted</a:t>
+            </a:r>
+          </a:p>
+        </p:txBody>
+      </p:sp>
+      <p:sp>
+        <p:nvSpPr>
+          <p:cNvPr id="13" name="TextBox 12">
+            <a:extLst>
+              <a:ext uri="{FF2B5EF4-FFF2-40B4-BE49-F238E27FC236}">
+                <a16:creationId xmlns:a16="http://schemas.microsoft.com/office/drawing/2014/main" id="{784FA9A1-90F1-5F21-42B2-BBCAD57B1753}"/>
+              </a:ext>
+            </a:extLst>
+          </p:cNvPr>
+          <p:cNvSpPr txBox="1"/>
+          <p:nvPr/>
+        </p:nvSpPr>
+        <p:spPr>
+          <a:xfrm>
+            <a:off x="4314172" y="7262708"/>
+            <a:ext cx="868278" cy="276999"/>
+          </a:xfrm>
+          <a:prstGeom prst="rect">
+            <a:avLst/>
+          </a:prstGeom>
+          <a:noFill/>
+        </p:spPr>
+        <p:txBody>
+          <a:bodyPr wrap="square" rtlCol="0">
+            <a:spAutoFit/>
+          </a:bodyPr>
+          <a:lstStyle/>
+          <a:p>
+            <a:pPr algn="r"/>
+            <a:r>
+              <a:rPr lang="en-US" sz="1200" i="1" dirty="0"/>
+              <a:t>Predicted</a:t>
+            </a:r>
+          </a:p>
+        </p:txBody>
+      </p:sp>
+      <p:sp>
+        <p:nvSpPr>
+          <p:cNvPr id="15" name="TextBox 14">
+            <a:extLst>
+              <a:ext uri="{FF2B5EF4-FFF2-40B4-BE49-F238E27FC236}">
+                <a16:creationId xmlns:a16="http://schemas.microsoft.com/office/drawing/2014/main" id="{EB87583A-2D65-0533-2540-0870757A6FA0}"/>
+              </a:ext>
+            </a:extLst>
+          </p:cNvPr>
+          <p:cNvSpPr txBox="1"/>
+          <p:nvPr/>
+        </p:nvSpPr>
+        <p:spPr>
+          <a:xfrm>
+            <a:off x="6926094" y="7262708"/>
+            <a:ext cx="836594" cy="276999"/>
+          </a:xfrm>
+          <a:prstGeom prst="rect">
+            <a:avLst/>
+          </a:prstGeom>
+          <a:noFill/>
+        </p:spPr>
+        <p:txBody>
+          <a:bodyPr wrap="square" rtlCol="0">
+            <a:spAutoFit/>
+          </a:bodyPr>
+          <a:lstStyle/>
+          <a:p>
+            <a:pPr algn="r"/>
+            <a:r>
+              <a:rPr lang="en-US" sz="1200" i="1" dirty="0"/>
+              <a:t>Predicted</a:t>
+            </a:r>
+          </a:p>
+        </p:txBody>
+      </p:sp>
+      <p:sp>
+        <p:nvSpPr>
+          <p:cNvPr id="17" name="TextBox 16">
+            <a:extLst>
+              <a:ext uri="{FF2B5EF4-FFF2-40B4-BE49-F238E27FC236}">
+                <a16:creationId xmlns:a16="http://schemas.microsoft.com/office/drawing/2014/main" id="{CB6CD6BC-3B68-5C26-CDCD-488BD452B1DB}"/>
+              </a:ext>
+            </a:extLst>
+          </p:cNvPr>
+          <p:cNvSpPr txBox="1"/>
+          <p:nvPr/>
+        </p:nvSpPr>
+        <p:spPr>
+          <a:xfrm>
+            <a:off x="1728136" y="7262708"/>
+            <a:ext cx="868278" cy="276999"/>
+          </a:xfrm>
+          <a:prstGeom prst="rect">
+            <a:avLst/>
+          </a:prstGeom>
+          <a:noFill/>
+        </p:spPr>
+        <p:txBody>
+          <a:bodyPr wrap="square" rtlCol="0">
+            <a:spAutoFit/>
+          </a:bodyPr>
+          <a:lstStyle/>
+          <a:p>
+            <a:pPr algn="r"/>
+            <a:r>
+              <a:rPr lang="en-US" sz="1200" i="1" dirty="0"/>
+              <a:t>Predicted</a:t>
+            </a:r>
+          </a:p>
+        </p:txBody>
+      </p:sp>
+      <p:sp>
+        <p:nvSpPr>
+          <p:cNvPr id="19" name="TextBox 18">
+            <a:extLst>
+              <a:ext uri="{FF2B5EF4-FFF2-40B4-BE49-F238E27FC236}">
+                <a16:creationId xmlns:a16="http://schemas.microsoft.com/office/drawing/2014/main" id="{16A7DE61-9000-E8D4-0829-CB81B08CC8EF}"/>
+              </a:ext>
+            </a:extLst>
+          </p:cNvPr>
+          <p:cNvSpPr txBox="1"/>
+          <p:nvPr/>
+        </p:nvSpPr>
+        <p:spPr>
+          <a:xfrm>
+            <a:off x="6744832" y="9769109"/>
+            <a:ext cx="1027568" cy="276999"/>
+          </a:xfrm>
+          <a:prstGeom prst="rect">
+            <a:avLst/>
+          </a:prstGeom>
+          <a:noFill/>
+        </p:spPr>
+        <p:txBody>
+          <a:bodyPr wrap="square" rtlCol="0">
+            <a:spAutoFit/>
+          </a:bodyPr>
+          <a:lstStyle/>
+          <a:p>
+            <a:pPr algn="r"/>
+            <a:r>
+              <a:rPr lang="en-US" sz="1200" i="1" dirty="0"/>
+              <a:t>PDB: 5JXE</a:t>
             </a:r>
           </a:p>
         </p:txBody>
